--- a/forcheck.pptx
+++ b/forcheck.pptx
@@ -104,6 +104,11 @@
       </a:defRPr>
     </a:lvl9pPr>
   </p:defaultTextStyle>
+  <p:extLst>
+    <p:ext uri="{EFAFB233-063F-42B5-8137-9DF3F51BA10A}">
+      <p15:sldGuideLst xmlns:p15="http://schemas.microsoft.com/office/powerpoint/2012/main"/>
+    </p:ext>
+  </p:extLst>
 </p:presentation>
 </file>
 
@@ -238,7 +243,7 @@
           <a:p>
             <a:fld id="{9972F547-C85F-2E4E-9C84-E7AC1C96A71F}" type="datetimeFigureOut">
               <a:rPr kumimoji="1" lang="zh-CN" altLang="en-US" smtClean="0"/>
-              <a:t>17/3/10</a:t>
+              <a:t>17/3/14</a:t>
             </a:fld>
             <a:endParaRPr kumimoji="1" lang="zh-CN" altLang="en-US"/>
           </a:p>
@@ -408,7 +413,7 @@
           <a:p>
             <a:fld id="{9972F547-C85F-2E4E-9C84-E7AC1C96A71F}" type="datetimeFigureOut">
               <a:rPr kumimoji="1" lang="zh-CN" altLang="en-US" smtClean="0"/>
-              <a:t>17/3/10</a:t>
+              <a:t>17/3/14</a:t>
             </a:fld>
             <a:endParaRPr kumimoji="1" lang="zh-CN" altLang="en-US"/>
           </a:p>
@@ -588,7 +593,7 @@
           <a:p>
             <a:fld id="{9972F547-C85F-2E4E-9C84-E7AC1C96A71F}" type="datetimeFigureOut">
               <a:rPr kumimoji="1" lang="zh-CN" altLang="en-US" smtClean="0"/>
-              <a:t>17/3/10</a:t>
+              <a:t>17/3/14</a:t>
             </a:fld>
             <a:endParaRPr kumimoji="1" lang="zh-CN" altLang="en-US"/>
           </a:p>
@@ -758,7 +763,7 @@
           <a:p>
             <a:fld id="{9972F547-C85F-2E4E-9C84-E7AC1C96A71F}" type="datetimeFigureOut">
               <a:rPr kumimoji="1" lang="zh-CN" altLang="en-US" smtClean="0"/>
-              <a:t>17/3/10</a:t>
+              <a:t>17/3/14</a:t>
             </a:fld>
             <a:endParaRPr kumimoji="1" lang="zh-CN" altLang="en-US"/>
           </a:p>
@@ -1004,7 +1009,7 @@
           <a:p>
             <a:fld id="{9972F547-C85F-2E4E-9C84-E7AC1C96A71F}" type="datetimeFigureOut">
               <a:rPr kumimoji="1" lang="zh-CN" altLang="en-US" smtClean="0"/>
-              <a:t>17/3/10</a:t>
+              <a:t>17/3/14</a:t>
             </a:fld>
             <a:endParaRPr kumimoji="1" lang="zh-CN" altLang="en-US"/>
           </a:p>
@@ -1236,7 +1241,7 @@
           <a:p>
             <a:fld id="{9972F547-C85F-2E4E-9C84-E7AC1C96A71F}" type="datetimeFigureOut">
               <a:rPr kumimoji="1" lang="zh-CN" altLang="en-US" smtClean="0"/>
-              <a:t>17/3/10</a:t>
+              <a:t>17/3/14</a:t>
             </a:fld>
             <a:endParaRPr kumimoji="1" lang="zh-CN" altLang="en-US"/>
           </a:p>
@@ -1603,7 +1608,7 @@
           <a:p>
             <a:fld id="{9972F547-C85F-2E4E-9C84-E7AC1C96A71F}" type="datetimeFigureOut">
               <a:rPr kumimoji="1" lang="zh-CN" altLang="en-US" smtClean="0"/>
-              <a:t>17/3/10</a:t>
+              <a:t>17/3/14</a:t>
             </a:fld>
             <a:endParaRPr kumimoji="1" lang="zh-CN" altLang="en-US"/>
           </a:p>
@@ -1721,7 +1726,7 @@
           <a:p>
             <a:fld id="{9972F547-C85F-2E4E-9C84-E7AC1C96A71F}" type="datetimeFigureOut">
               <a:rPr kumimoji="1" lang="zh-CN" altLang="en-US" smtClean="0"/>
-              <a:t>17/3/10</a:t>
+              <a:t>17/3/14</a:t>
             </a:fld>
             <a:endParaRPr kumimoji="1" lang="zh-CN" altLang="en-US"/>
           </a:p>
@@ -1816,7 +1821,7 @@
           <a:p>
             <a:fld id="{9972F547-C85F-2E4E-9C84-E7AC1C96A71F}" type="datetimeFigureOut">
               <a:rPr kumimoji="1" lang="zh-CN" altLang="en-US" smtClean="0"/>
-              <a:t>17/3/10</a:t>
+              <a:t>17/3/14</a:t>
             </a:fld>
             <a:endParaRPr kumimoji="1" lang="zh-CN" altLang="en-US"/>
           </a:p>
@@ -2093,7 +2098,7 @@
           <a:p>
             <a:fld id="{9972F547-C85F-2E4E-9C84-E7AC1C96A71F}" type="datetimeFigureOut">
               <a:rPr kumimoji="1" lang="zh-CN" altLang="en-US" smtClean="0"/>
-              <a:t>17/3/10</a:t>
+              <a:t>17/3/14</a:t>
             </a:fld>
             <a:endParaRPr kumimoji="1" lang="zh-CN" altLang="en-US"/>
           </a:p>
@@ -2346,7 +2351,7 @@
           <a:p>
             <a:fld id="{9972F547-C85F-2E4E-9C84-E7AC1C96A71F}" type="datetimeFigureOut">
               <a:rPr kumimoji="1" lang="zh-CN" altLang="en-US" smtClean="0"/>
-              <a:t>17/3/10</a:t>
+              <a:t>17/3/14</a:t>
             </a:fld>
             <a:endParaRPr kumimoji="1" lang="zh-CN" altLang="en-US"/>
           </a:p>
@@ -2559,7 +2564,7 @@
           <a:p>
             <a:fld id="{9972F547-C85F-2E4E-9C84-E7AC1C96A71F}" type="datetimeFigureOut">
               <a:rPr kumimoji="1" lang="zh-CN" altLang="en-US" smtClean="0"/>
-              <a:t>17/3/10</a:t>
+              <a:t>17/3/14</a:t>
             </a:fld>
             <a:endParaRPr kumimoji="1" lang="zh-CN" altLang="en-US"/>
           </a:p>
@@ -2966,42 +2971,13 @@
       </p:grpSpPr>
       <p:sp>
         <p:nvSpPr>
-          <p:cNvPr id="6" name="文本框 5"/>
-          <p:cNvSpPr txBox="1"/>
-          <p:nvPr/>
-        </p:nvSpPr>
-        <p:spPr>
-          <a:xfrm>
-            <a:off x="4645890" y="332509"/>
-            <a:ext cx="1487055" cy="369332"/>
-          </a:xfrm>
-          <a:prstGeom prst="rect">
-            <a:avLst/>
-          </a:prstGeom>
-          <a:noFill/>
-        </p:spPr>
-        <p:txBody>
-          <a:bodyPr wrap="square" rtlCol="0">
-            <a:spAutoFit/>
-          </a:bodyPr>
-          <a:lstStyle/>
-          <a:p>
-            <a:r>
-              <a:rPr kumimoji="1" lang="en-US" altLang="zh-CN" dirty="0" smtClean="0"/>
-              <a:t>Original URL</a:t>
-            </a:r>
-          </a:p>
-        </p:txBody>
-      </p:sp>
-      <p:sp>
-        <p:nvSpPr>
           <p:cNvPr id="9" name="矩形 8"/>
           <p:cNvSpPr/>
           <p:nvPr/>
         </p:nvSpPr>
         <p:spPr>
           <a:xfrm>
-            <a:off x="4692071" y="1182255"/>
+            <a:off x="2921023" y="2279535"/>
             <a:ext cx="1394691" cy="600364"/>
           </a:xfrm>
           <a:prstGeom prst="rect">
@@ -3037,55 +3013,16 @@
           </a:p>
         </p:txBody>
       </p:sp>
-      <p:cxnSp>
-        <p:nvCxnSpPr>
-          <p:cNvPr id="11" name="直线箭头连接符 10"/>
-          <p:cNvCxnSpPr>
-            <a:stCxn id="6" idx="2"/>
-            <a:endCxn id="9" idx="0"/>
-          </p:cNvCxnSpPr>
-          <p:nvPr/>
-        </p:nvCxnSpPr>
-        <p:spPr>
-          <a:xfrm flipH="1">
-            <a:off x="5389417" y="701841"/>
-            <a:ext cx="1" cy="480414"/>
-          </a:xfrm>
-          <a:prstGeom prst="straightConnector1">
-            <a:avLst/>
-          </a:prstGeom>
-          <a:ln>
-            <a:solidFill>
-              <a:schemeClr val="tx1"/>
-            </a:solidFill>
-            <a:tailEnd type="triangle"/>
-          </a:ln>
-        </p:spPr>
-        <p:style>
-          <a:lnRef idx="1">
-            <a:schemeClr val="accent1"/>
-          </a:lnRef>
-          <a:fillRef idx="0">
-            <a:schemeClr val="accent1"/>
-          </a:fillRef>
-          <a:effectRef idx="0">
-            <a:schemeClr val="accent1"/>
-          </a:effectRef>
-          <a:fontRef idx="minor">
-            <a:schemeClr val="tx1"/>
-          </a:fontRef>
-        </p:style>
-      </p:cxnSp>
-      <p:sp>
-        <p:nvSpPr>
-          <p:cNvPr id="15" name="文本框 14"/>
+      <p:sp>
+        <p:nvSpPr>
+          <p:cNvPr id="16" name="文本框 15"/>
           <p:cNvSpPr txBox="1"/>
           <p:nvPr/>
         </p:nvSpPr>
         <p:spPr>
           <a:xfrm>
-            <a:off x="5366324" y="794174"/>
-            <a:ext cx="1440875" cy="276999"/>
+            <a:off x="2131314" y="3641898"/>
+            <a:ext cx="1487055" cy="369332"/>
           </a:xfrm>
           <a:prstGeom prst="rect">
             <a:avLst/>
@@ -3099,36 +3036,6 @@
           <a:lstStyle/>
           <a:p>
             <a:r>
-              <a:rPr kumimoji="1" lang="en-US" altLang="zh-CN" sz="1200" dirty="0" smtClean="0"/>
-              <a:t>URL checker</a:t>
-            </a:r>
-            <a:endParaRPr kumimoji="1" lang="zh-CN" altLang="en-US" sz="1200" dirty="0"/>
-          </a:p>
-        </p:txBody>
-      </p:sp>
-      <p:sp>
-        <p:nvSpPr>
-          <p:cNvPr id="16" name="文本框 15"/>
-          <p:cNvSpPr txBox="1"/>
-          <p:nvPr/>
-        </p:nvSpPr>
-        <p:spPr>
-          <a:xfrm>
-            <a:off x="3902362" y="2544618"/>
-            <a:ext cx="1487055" cy="369332"/>
-          </a:xfrm>
-          <a:prstGeom prst="rect">
-            <a:avLst/>
-          </a:prstGeom>
-          <a:noFill/>
-        </p:spPr>
-        <p:txBody>
-          <a:bodyPr wrap="square" rtlCol="0">
-            <a:spAutoFit/>
-          </a:bodyPr>
-          <a:lstStyle/>
-          <a:p>
-            <a:r>
               <a:rPr kumimoji="1" lang="en-US" altLang="zh-CN" dirty="0" smtClean="0"/>
               <a:t>Next URL</a:t>
             </a:r>
@@ -3143,7 +3050,7 @@
         </p:nvSpPr>
         <p:spPr>
           <a:xfrm>
-            <a:off x="5366324" y="2544618"/>
+            <a:off x="3595276" y="3641898"/>
             <a:ext cx="1902694" cy="369332"/>
           </a:xfrm>
           <a:prstGeom prst="rect">
@@ -3183,7 +3090,7 @@
         </p:nvCxnSpPr>
         <p:spPr>
           <a:xfrm flipH="1">
-            <a:off x="4645890" y="1782619"/>
+            <a:off x="2874842" y="2879899"/>
             <a:ext cx="743527" cy="761999"/>
           </a:xfrm>
           <a:prstGeom prst="straightConnector1">
@@ -3223,7 +3130,7 @@
         </p:nvCxnSpPr>
         <p:spPr>
           <a:xfrm>
-            <a:off x="5389417" y="1782619"/>
+            <a:off x="3618369" y="2879899"/>
             <a:ext cx="928254" cy="761999"/>
           </a:xfrm>
           <a:prstGeom prst="straightConnector1">
@@ -3248,74 +3155,6 @@
           </a:fontRef>
         </p:style>
       </p:cxnSp>
-      <p:cxnSp>
-        <p:nvCxnSpPr>
-          <p:cNvPr id="38" name="肘形连接符 37"/>
-          <p:cNvCxnSpPr>
-            <a:stCxn id="16" idx="1"/>
-            <a:endCxn id="6" idx="1"/>
-          </p:cNvCxnSpPr>
-          <p:nvPr/>
-        </p:nvCxnSpPr>
-        <p:spPr>
-          <a:xfrm rot="10800000" flipH="1">
-            <a:off x="3902362" y="517176"/>
-            <a:ext cx="743528" cy="2212109"/>
-          </a:xfrm>
-          <a:prstGeom prst="bentConnector3">
-            <a:avLst>
-              <a:gd name="adj1" fmla="val -30745"/>
-            </a:avLst>
-          </a:prstGeom>
-          <a:ln>
-            <a:tailEnd type="triangle"/>
-          </a:ln>
-        </p:spPr>
-        <p:style>
-          <a:lnRef idx="1">
-            <a:schemeClr val="accent1"/>
-          </a:lnRef>
-          <a:fillRef idx="0">
-            <a:schemeClr val="accent1"/>
-          </a:fillRef>
-          <a:effectRef idx="0">
-            <a:schemeClr val="accent1"/>
-          </a:effectRef>
-          <a:fontRef idx="minor">
-            <a:schemeClr val="tx1"/>
-          </a:fontRef>
-        </p:style>
-      </p:cxnSp>
-      <p:sp>
-        <p:nvSpPr>
-          <p:cNvPr id="39" name="文本框 38"/>
-          <p:cNvSpPr txBox="1"/>
-          <p:nvPr/>
-        </p:nvSpPr>
-        <p:spPr>
-          <a:xfrm>
-            <a:off x="2600032" y="1392398"/>
-            <a:ext cx="1440875" cy="276999"/>
-          </a:xfrm>
-          <a:prstGeom prst="rect">
-            <a:avLst/>
-          </a:prstGeom>
-          <a:noFill/>
-        </p:spPr>
-        <p:txBody>
-          <a:bodyPr wrap="square" rtlCol="0">
-            <a:spAutoFit/>
-          </a:bodyPr>
-          <a:lstStyle/>
-          <a:p>
-            <a:r>
-              <a:rPr kumimoji="1" lang="en-US" altLang="zh-CN" sz="1200" dirty="0" smtClean="0"/>
-              <a:t>URL checker</a:t>
-            </a:r>
-            <a:endParaRPr kumimoji="1" lang="zh-CN" altLang="en-US" sz="1200" dirty="0"/>
-          </a:p>
-        </p:txBody>
-      </p:sp>
       <p:sp>
         <p:nvSpPr>
           <p:cNvPr id="42" name="矩形 41"/>
@@ -3324,7 +3163,7 @@
         </p:nvSpPr>
         <p:spPr>
           <a:xfrm>
-            <a:off x="4692071" y="3810061"/>
+            <a:off x="2921023" y="4907341"/>
             <a:ext cx="1394691" cy="600364"/>
           </a:xfrm>
           <a:prstGeom prst="rect">
@@ -3377,7 +3216,7 @@
         </p:nvCxnSpPr>
         <p:spPr>
           <a:xfrm flipH="1">
-            <a:off x="5389417" y="2913950"/>
+            <a:off x="3618369" y="4011230"/>
             <a:ext cx="928254" cy="896111"/>
           </a:xfrm>
           <a:prstGeom prst="straightConnector1">
@@ -3414,7 +3253,7 @@
         </p:nvSpPr>
         <p:spPr>
           <a:xfrm>
-            <a:off x="6571672" y="3810061"/>
+            <a:off x="4800624" y="4907341"/>
             <a:ext cx="1394691" cy="600364"/>
           </a:xfrm>
           <a:prstGeom prst="rect">
@@ -3466,7 +3305,7 @@
         </p:nvCxnSpPr>
         <p:spPr>
           <a:xfrm>
-            <a:off x="6317671" y="2913950"/>
+            <a:off x="4546623" y="4011230"/>
             <a:ext cx="951347" cy="896111"/>
           </a:xfrm>
           <a:prstGeom prst="straightConnector1">
@@ -3495,6 +3334,552 @@
           </a:fontRef>
         </p:style>
       </p:cxnSp>
+      <p:sp>
+        <p:nvSpPr>
+          <p:cNvPr id="23" name="圆角矩形 22"/>
+          <p:cNvSpPr/>
+          <p:nvPr/>
+        </p:nvSpPr>
+        <p:spPr>
+          <a:xfrm>
+            <a:off x="6565392" y="1078807"/>
+            <a:ext cx="1088136" cy="600364"/>
+          </a:xfrm>
+          <a:prstGeom prst="roundRect">
+            <a:avLst/>
+          </a:prstGeom>
+          <a:solidFill>
+            <a:srgbClr val="00B0F0"/>
+          </a:solidFill>
+        </p:spPr>
+        <p:style>
+          <a:lnRef idx="2">
+            <a:schemeClr val="accent1">
+              <a:shade val="50000"/>
+            </a:schemeClr>
+          </a:lnRef>
+          <a:fillRef idx="1">
+            <a:schemeClr val="accent1"/>
+          </a:fillRef>
+          <a:effectRef idx="0">
+            <a:schemeClr val="accent1"/>
+          </a:effectRef>
+          <a:fontRef idx="minor">
+            <a:schemeClr val="lt1"/>
+          </a:fontRef>
+        </p:style>
+        <p:txBody>
+          <a:bodyPr rtlCol="0" anchor="ctr"/>
+          <a:lstStyle/>
+          <a:p>
+            <a:pPr algn="ctr"/>
+            <a:r>
+              <a:rPr kumimoji="1" lang="en-US" altLang="zh-CN" dirty="0" smtClean="0"/>
+              <a:t>User</a:t>
+            </a:r>
+          </a:p>
+        </p:txBody>
+      </p:sp>
+      <p:sp>
+        <p:nvSpPr>
+          <p:cNvPr id="31" name="矩形 30"/>
+          <p:cNvSpPr/>
+          <p:nvPr/>
+        </p:nvSpPr>
+        <p:spPr>
+          <a:xfrm>
+            <a:off x="2921022" y="1078807"/>
+            <a:ext cx="1394691" cy="600364"/>
+          </a:xfrm>
+          <a:prstGeom prst="rect">
+            <a:avLst/>
+          </a:prstGeom>
+        </p:spPr>
+        <p:style>
+          <a:lnRef idx="3">
+            <a:schemeClr val="lt1"/>
+          </a:lnRef>
+          <a:fillRef idx="1">
+            <a:schemeClr val="accent2"/>
+          </a:fillRef>
+          <a:effectRef idx="1">
+            <a:schemeClr val="accent2"/>
+          </a:effectRef>
+          <a:fontRef idx="minor">
+            <a:schemeClr val="lt1"/>
+          </a:fontRef>
+        </p:style>
+        <p:txBody>
+          <a:bodyPr rtlCol="0" anchor="ctr"/>
+          <a:lstStyle/>
+          <a:p>
+            <a:pPr algn="ctr"/>
+            <a:r>
+              <a:rPr kumimoji="1" lang="en-US" altLang="zh-CN" dirty="0" smtClean="0"/>
+              <a:t>Scheduler</a:t>
+            </a:r>
+          </a:p>
+        </p:txBody>
+      </p:sp>
+      <p:sp>
+        <p:nvSpPr>
+          <p:cNvPr id="33" name="文本框 32"/>
+          <p:cNvSpPr txBox="1"/>
+          <p:nvPr/>
+        </p:nvSpPr>
+        <p:spPr>
+          <a:xfrm>
+            <a:off x="2921022" y="341312"/>
+            <a:ext cx="1394691" cy="369332"/>
+          </a:xfrm>
+          <a:prstGeom prst="rect">
+            <a:avLst/>
+          </a:prstGeom>
+          <a:noFill/>
+        </p:spPr>
+        <p:txBody>
+          <a:bodyPr wrap="square" rtlCol="0">
+            <a:spAutoFit/>
+          </a:bodyPr>
+          <a:lstStyle/>
+          <a:p>
+            <a:r>
+              <a:rPr kumimoji="1" lang="zh-CN" altLang="en-US" dirty="0" smtClean="0"/>
+              <a:t>       </a:t>
+            </a:r>
+            <a:r>
+              <a:rPr kumimoji="1" lang="en-US" altLang="zh-CN" dirty="0" smtClean="0"/>
+              <a:t>URL</a:t>
+            </a:r>
+            <a:endParaRPr kumimoji="1" lang="en-US" altLang="zh-CN" dirty="0" smtClean="0"/>
+          </a:p>
+        </p:txBody>
+      </p:sp>
+      <p:cxnSp>
+        <p:nvCxnSpPr>
+          <p:cNvPr id="27" name="直线箭头连接符 26"/>
+          <p:cNvCxnSpPr>
+            <a:stCxn id="33" idx="2"/>
+            <a:endCxn id="31" idx="0"/>
+          </p:cNvCxnSpPr>
+          <p:nvPr/>
+        </p:nvCxnSpPr>
+        <p:spPr>
+          <a:xfrm>
+            <a:off x="3618368" y="710644"/>
+            <a:ext cx="0" cy="368163"/>
+          </a:xfrm>
+          <a:prstGeom prst="straightConnector1">
+            <a:avLst/>
+          </a:prstGeom>
+          <a:ln>
+            <a:solidFill>
+              <a:schemeClr val="tx1"/>
+            </a:solidFill>
+            <a:tailEnd type="triangle"/>
+          </a:ln>
+        </p:spPr>
+        <p:style>
+          <a:lnRef idx="1">
+            <a:schemeClr val="accent1"/>
+          </a:lnRef>
+          <a:fillRef idx="0">
+            <a:schemeClr val="accent1"/>
+          </a:fillRef>
+          <a:effectRef idx="0">
+            <a:schemeClr val="accent1"/>
+          </a:effectRef>
+          <a:fontRef idx="minor">
+            <a:schemeClr val="tx1"/>
+          </a:fontRef>
+        </p:style>
+      </p:cxnSp>
+      <p:cxnSp>
+        <p:nvCxnSpPr>
+          <p:cNvPr id="29" name="直线箭头连接符 28"/>
+          <p:cNvCxnSpPr/>
+          <p:nvPr/>
+        </p:nvCxnSpPr>
+        <p:spPr>
+          <a:xfrm flipH="1">
+            <a:off x="4224528" y="1078807"/>
+            <a:ext cx="2331720" cy="0"/>
+          </a:xfrm>
+          <a:prstGeom prst="straightConnector1">
+            <a:avLst/>
+          </a:prstGeom>
+          <a:ln>
+            <a:solidFill>
+              <a:srgbClr val="00B0F0"/>
+            </a:solidFill>
+            <a:tailEnd type="triangle"/>
+          </a:ln>
+        </p:spPr>
+        <p:style>
+          <a:lnRef idx="1">
+            <a:schemeClr val="accent1"/>
+          </a:lnRef>
+          <a:fillRef idx="0">
+            <a:schemeClr val="accent1"/>
+          </a:fillRef>
+          <a:effectRef idx="0">
+            <a:schemeClr val="accent1"/>
+          </a:effectRef>
+          <a:fontRef idx="minor">
+            <a:schemeClr val="tx1"/>
+          </a:fontRef>
+        </p:style>
+      </p:cxnSp>
+      <p:sp>
+        <p:nvSpPr>
+          <p:cNvPr id="40" name="文本框 39"/>
+          <p:cNvSpPr txBox="1"/>
+          <p:nvPr/>
+        </p:nvSpPr>
+        <p:spPr>
+          <a:xfrm>
+            <a:off x="4491862" y="780967"/>
+            <a:ext cx="1797051" cy="369332"/>
+          </a:xfrm>
+          <a:prstGeom prst="rect">
+            <a:avLst/>
+          </a:prstGeom>
+          <a:noFill/>
+        </p:spPr>
+        <p:txBody>
+          <a:bodyPr wrap="square" rtlCol="0">
+            <a:spAutoFit/>
+          </a:bodyPr>
+          <a:lstStyle/>
+          <a:p>
+            <a:r>
+              <a:rPr kumimoji="1" lang="zh-CN" altLang="en-US" dirty="0" smtClean="0"/>
+              <a:t>       </a:t>
+            </a:r>
+            <a:r>
+              <a:rPr kumimoji="1" lang="en-US" altLang="zh-CN" sz="1200" dirty="0" smtClean="0"/>
+              <a:t>demand</a:t>
+            </a:r>
+            <a:endParaRPr kumimoji="1" lang="en-US" altLang="zh-CN" sz="1200" dirty="0" smtClean="0"/>
+          </a:p>
+        </p:txBody>
+      </p:sp>
+      <p:cxnSp>
+        <p:nvCxnSpPr>
+          <p:cNvPr id="37" name="直线箭头连接符 36"/>
+          <p:cNvCxnSpPr>
+            <a:endCxn id="31" idx="1"/>
+          </p:cNvCxnSpPr>
+          <p:nvPr/>
+        </p:nvCxnSpPr>
+        <p:spPr>
+          <a:xfrm>
+            <a:off x="2131314" y="1378989"/>
+            <a:ext cx="789708" cy="0"/>
+          </a:xfrm>
+          <a:prstGeom prst="straightConnector1">
+            <a:avLst/>
+          </a:prstGeom>
+          <a:ln>
+            <a:tailEnd type="triangle"/>
+          </a:ln>
+        </p:spPr>
+        <p:style>
+          <a:lnRef idx="1">
+            <a:schemeClr val="accent1"/>
+          </a:lnRef>
+          <a:fillRef idx="0">
+            <a:schemeClr val="accent1"/>
+          </a:fillRef>
+          <a:effectRef idx="0">
+            <a:schemeClr val="accent1"/>
+          </a:effectRef>
+          <a:fontRef idx="minor">
+            <a:schemeClr val="tx1"/>
+          </a:fontRef>
+        </p:style>
+      </p:cxnSp>
+      <p:cxnSp>
+        <p:nvCxnSpPr>
+          <p:cNvPr id="43" name="直线连接符 42"/>
+          <p:cNvCxnSpPr>
+            <a:stCxn id="16" idx="1"/>
+          </p:cNvCxnSpPr>
+          <p:nvPr/>
+        </p:nvCxnSpPr>
+        <p:spPr>
+          <a:xfrm flipV="1">
+            <a:off x="2131314" y="1378989"/>
+            <a:ext cx="0" cy="2447575"/>
+          </a:xfrm>
+          <a:prstGeom prst="line">
+            <a:avLst/>
+          </a:prstGeom>
+        </p:spPr>
+        <p:style>
+          <a:lnRef idx="1">
+            <a:schemeClr val="accent1"/>
+          </a:lnRef>
+          <a:fillRef idx="0">
+            <a:schemeClr val="accent1"/>
+          </a:fillRef>
+          <a:effectRef idx="0">
+            <a:schemeClr val="accent1"/>
+          </a:effectRef>
+          <a:fontRef idx="minor">
+            <a:schemeClr val="tx1"/>
+          </a:fontRef>
+        </p:style>
+      </p:cxnSp>
+      <p:cxnSp>
+        <p:nvCxnSpPr>
+          <p:cNvPr id="47" name="直线箭头连接符 46"/>
+          <p:cNvCxnSpPr>
+            <a:stCxn id="17" idx="0"/>
+            <a:endCxn id="23" idx="2"/>
+          </p:cNvCxnSpPr>
+          <p:nvPr/>
+        </p:nvCxnSpPr>
+        <p:spPr>
+          <a:xfrm flipV="1">
+            <a:off x="4546623" y="1679171"/>
+            <a:ext cx="2562837" cy="1962727"/>
+          </a:xfrm>
+          <a:prstGeom prst="straightConnector1">
+            <a:avLst/>
+          </a:prstGeom>
+          <a:ln>
+            <a:solidFill>
+              <a:srgbClr val="0070C0"/>
+            </a:solidFill>
+            <a:tailEnd type="triangle"/>
+          </a:ln>
+        </p:spPr>
+        <p:style>
+          <a:lnRef idx="1">
+            <a:schemeClr val="accent1"/>
+          </a:lnRef>
+          <a:fillRef idx="0">
+            <a:schemeClr val="accent1"/>
+          </a:fillRef>
+          <a:effectRef idx="0">
+            <a:schemeClr val="accent1"/>
+          </a:effectRef>
+          <a:fontRef idx="minor">
+            <a:schemeClr val="tx1"/>
+          </a:fontRef>
+        </p:style>
+      </p:cxnSp>
+      <p:cxnSp>
+        <p:nvCxnSpPr>
+          <p:cNvPr id="50" name="直线箭头连接符 49"/>
+          <p:cNvCxnSpPr/>
+          <p:nvPr/>
+        </p:nvCxnSpPr>
+        <p:spPr>
+          <a:xfrm>
+            <a:off x="4315713" y="4907341"/>
+            <a:ext cx="484911" cy="0"/>
+          </a:xfrm>
+          <a:prstGeom prst="straightConnector1">
+            <a:avLst/>
+          </a:prstGeom>
+          <a:ln>
+            <a:solidFill>
+              <a:schemeClr val="tx1"/>
+            </a:solidFill>
+            <a:prstDash val="dash"/>
+            <a:tailEnd type="triangle"/>
+          </a:ln>
+        </p:spPr>
+        <p:style>
+          <a:lnRef idx="1">
+            <a:schemeClr val="accent1"/>
+          </a:lnRef>
+          <a:fillRef idx="0">
+            <a:schemeClr val="accent1"/>
+          </a:fillRef>
+          <a:effectRef idx="0">
+            <a:schemeClr val="accent1"/>
+          </a:effectRef>
+          <a:fontRef idx="minor">
+            <a:schemeClr val="tx1"/>
+          </a:fontRef>
+        </p:style>
+      </p:cxnSp>
+      <p:cxnSp>
+        <p:nvCxnSpPr>
+          <p:cNvPr id="52" name="直线箭头连接符 51"/>
+          <p:cNvCxnSpPr>
+            <a:stCxn id="31" idx="2"/>
+            <a:endCxn id="9" idx="0"/>
+          </p:cNvCxnSpPr>
+          <p:nvPr/>
+        </p:nvCxnSpPr>
+        <p:spPr>
+          <a:xfrm>
+            <a:off x="3618368" y="1679171"/>
+            <a:ext cx="1" cy="600364"/>
+          </a:xfrm>
+          <a:prstGeom prst="straightConnector1">
+            <a:avLst/>
+          </a:prstGeom>
+          <a:ln>
+            <a:solidFill>
+              <a:schemeClr val="tx1"/>
+            </a:solidFill>
+            <a:prstDash val="solid"/>
+            <a:tailEnd type="triangle"/>
+          </a:ln>
+        </p:spPr>
+        <p:style>
+          <a:lnRef idx="1">
+            <a:schemeClr val="accent1"/>
+          </a:lnRef>
+          <a:fillRef idx="0">
+            <a:schemeClr val="accent1"/>
+          </a:fillRef>
+          <a:effectRef idx="0">
+            <a:schemeClr val="accent1"/>
+          </a:effectRef>
+          <a:fontRef idx="minor">
+            <a:schemeClr val="tx1"/>
+          </a:fontRef>
+        </p:style>
+      </p:cxnSp>
+      <p:cxnSp>
+        <p:nvCxnSpPr>
+          <p:cNvPr id="54" name="直线连接符 53"/>
+          <p:cNvCxnSpPr/>
+          <p:nvPr/>
+        </p:nvCxnSpPr>
+        <p:spPr>
+          <a:xfrm flipH="1">
+            <a:off x="1088136" y="1078807"/>
+            <a:ext cx="1832886" cy="0"/>
+          </a:xfrm>
+          <a:prstGeom prst="line">
+            <a:avLst/>
+          </a:prstGeom>
+        </p:spPr>
+        <p:style>
+          <a:lnRef idx="1">
+            <a:schemeClr val="accent1"/>
+          </a:lnRef>
+          <a:fillRef idx="0">
+            <a:schemeClr val="accent1"/>
+          </a:fillRef>
+          <a:effectRef idx="0">
+            <a:schemeClr val="accent1"/>
+          </a:effectRef>
+          <a:fontRef idx="minor">
+            <a:schemeClr val="tx1"/>
+          </a:fontRef>
+        </p:style>
+      </p:cxnSp>
+      <p:cxnSp>
+        <p:nvCxnSpPr>
+          <p:cNvPr id="60" name="直线箭头连接符 59"/>
+          <p:cNvCxnSpPr>
+            <a:endCxn id="42" idx="1"/>
+          </p:cNvCxnSpPr>
+          <p:nvPr/>
+        </p:nvCxnSpPr>
+        <p:spPr>
+          <a:xfrm>
+            <a:off x="1088136" y="5207523"/>
+            <a:ext cx="1832887" cy="0"/>
+          </a:xfrm>
+          <a:prstGeom prst="straightConnector1">
+            <a:avLst/>
+          </a:prstGeom>
+          <a:ln>
+            <a:tailEnd type="triangle"/>
+          </a:ln>
+        </p:spPr>
+        <p:style>
+          <a:lnRef idx="1">
+            <a:schemeClr val="accent1"/>
+          </a:lnRef>
+          <a:fillRef idx="0">
+            <a:schemeClr val="accent1"/>
+          </a:fillRef>
+          <a:effectRef idx="0">
+            <a:schemeClr val="accent1"/>
+          </a:effectRef>
+          <a:fontRef idx="minor">
+            <a:schemeClr val="tx1"/>
+          </a:fontRef>
+        </p:style>
+      </p:cxnSp>
+      <p:cxnSp>
+        <p:nvCxnSpPr>
+          <p:cNvPr id="63" name="直线连接符 62"/>
+          <p:cNvCxnSpPr/>
+          <p:nvPr/>
+        </p:nvCxnSpPr>
+        <p:spPr>
+          <a:xfrm>
+            <a:off x="1088136" y="1078807"/>
+            <a:ext cx="0" cy="4128716"/>
+          </a:xfrm>
+          <a:prstGeom prst="line">
+            <a:avLst/>
+          </a:prstGeom>
+        </p:spPr>
+        <p:style>
+          <a:lnRef idx="1">
+            <a:schemeClr val="accent1"/>
+          </a:lnRef>
+          <a:fillRef idx="0">
+            <a:schemeClr val="accent1"/>
+          </a:fillRef>
+          <a:effectRef idx="0">
+            <a:schemeClr val="accent1"/>
+          </a:effectRef>
+          <a:fontRef idx="minor">
+            <a:schemeClr val="tx1"/>
+          </a:fontRef>
+        </p:style>
+      </p:cxnSp>
+      <p:sp>
+        <p:nvSpPr>
+          <p:cNvPr id="66" name="文本框 65"/>
+          <p:cNvSpPr txBox="1"/>
+          <p:nvPr/>
+        </p:nvSpPr>
+        <p:spPr>
+          <a:xfrm>
+            <a:off x="1071150" y="4907341"/>
+            <a:ext cx="1797051" cy="369332"/>
+          </a:xfrm>
+          <a:prstGeom prst="rect">
+            <a:avLst/>
+          </a:prstGeom>
+          <a:noFill/>
+        </p:spPr>
+        <p:txBody>
+          <a:bodyPr wrap="square" rtlCol="0">
+            <a:spAutoFit/>
+          </a:bodyPr>
+          <a:lstStyle/>
+          <a:p>
+            <a:r>
+              <a:rPr kumimoji="1" lang="zh-CN" altLang="en-US" dirty="0" smtClean="0"/>
+              <a:t>       </a:t>
+            </a:r>
+            <a:r>
+              <a:rPr kumimoji="1" lang="en-US" altLang="zh-CN" sz="1200" dirty="0" smtClean="0"/>
+              <a:t>com</a:t>
+            </a:r>
+            <a:r>
+              <a:rPr kumimoji="1" lang="en-US" altLang="zh-CN" sz="1200" dirty="0" smtClean="0"/>
+              <a:t>mand</a:t>
+            </a:r>
+            <a:endParaRPr kumimoji="1" lang="en-US" altLang="zh-CN" sz="1200" dirty="0" smtClean="0"/>
+          </a:p>
+        </p:txBody>
+      </p:sp>
     </p:spTree>
     <p:extLst>
       <p:ext uri="{BB962C8B-B14F-4D97-AF65-F5344CB8AC3E}">
